--- a/00 PRESENTACIONES compartida alumnos/ED01b - Ingeniería de software.pptx
+++ b/00 PRESENTACIONES compartida alumnos/ED01b - Ingeniería de software.pptx
@@ -145,6 +145,14 @@
 </p188:authorLst>
 </file>
 
+<file path=ppt/revisionInfo.xml><?xml version="1.0" encoding="utf-8"?>
+<p1510:revInfo xmlns:a="http://schemas.openxmlformats.org/drawingml/2006/main" xmlns:r="http://schemas.openxmlformats.org/officeDocument/2006/relationships" xmlns:p1510="http://schemas.microsoft.com/office/powerpoint/2015/10/main">
+  <p1510:revLst>
+    <p1510:client id="{39BEA3D4-3504-DC2E-698D-97F23CA8B2F0}" v="188" dt="2025-10-04T05:37:25.056"/>
+  </p1510:revLst>
+</p1510:revInfo>
+</file>
+
 <file path=ppt/changesInfos/changesInfo1.xml><?xml version="1.0" encoding="utf-8"?>
 <pc:chgInfo xmlns:a="http://schemas.openxmlformats.org/drawingml/2006/main" xmlns:r="http://schemas.openxmlformats.org/officeDocument/2006/relationships" xmlns:ac="http://schemas.microsoft.com/office/drawing/2013/main/command" xmlns:pc="http://schemas.microsoft.com/office/powerpoint/2013/main/command">
   <pc:docChgLst>
@@ -172,639 +180,87 @@
     </pc:docChg>
   </pc:docChgLst>
   <pc:docChgLst>
-    <pc:chgData name="Miguel Trigueros Muñoz" userId="7753574ed83b4f98" providerId="LiveId" clId="{6E2B57D0-9B5C-42EF-9EE3-DD3AC85287A6}"/>
-    <pc:docChg chg="undo custSel addSld delSld modSld sldOrd">
-      <pc:chgData name="Miguel Trigueros Muñoz" userId="7753574ed83b4f98" providerId="LiveId" clId="{6E2B57D0-9B5C-42EF-9EE3-DD3AC85287A6}" dt="2025-06-05T09:39:28.052" v="1063" actId="1076"/>
+    <pc:chgData name="MIGUEL TRIGUEROS MUÑOZ" userId="S::miguel.trigueros@aulaxxi.murciaeduca.es::a4ee0321-97d7-430f-98a8-7ed13ff9a4bf" providerId="AD" clId="Web-{39BEA3D4-3504-DC2E-698D-97F23CA8B2F0}"/>
+    <pc:docChg chg="modSld">
+      <pc:chgData name="MIGUEL TRIGUEROS MUÑOZ" userId="S::miguel.trigueros@aulaxxi.murciaeduca.es::a4ee0321-97d7-430f-98a8-7ed13ff9a4bf" providerId="AD" clId="Web-{39BEA3D4-3504-DC2E-698D-97F23CA8B2F0}" dt="2025-10-04T05:37:25.056" v="135" actId="20577"/>
       <pc:docMkLst>
         <pc:docMk/>
       </pc:docMkLst>
-      <pc:sldChg chg="modSp mod">
-        <pc:chgData name="Miguel Trigueros Muñoz" userId="7753574ed83b4f98" providerId="LiveId" clId="{6E2B57D0-9B5C-42EF-9EE3-DD3AC85287A6}" dt="2025-06-05T09:11:26.872" v="332" actId="1076"/>
-        <pc:sldMkLst>
-          <pc:docMk/>
-          <pc:sldMk cId="308865771" sldId="256"/>
-        </pc:sldMkLst>
-      </pc:sldChg>
-      <pc:sldChg chg="addSp delSp modSp mod">
-        <pc:chgData name="Miguel Trigueros Muñoz" userId="7753574ed83b4f98" providerId="LiveId" clId="{6E2B57D0-9B5C-42EF-9EE3-DD3AC85287A6}" dt="2025-06-05T08:59:41.855" v="226" actId="1076"/>
-        <pc:sldMkLst>
-          <pc:docMk/>
-          <pc:sldMk cId="211006063" sldId="257"/>
-        </pc:sldMkLst>
-      </pc:sldChg>
-      <pc:sldChg chg="del">
-        <pc:chgData name="Miguel Trigueros Muñoz" userId="7753574ed83b4f98" providerId="LiveId" clId="{6E2B57D0-9B5C-42EF-9EE3-DD3AC85287A6}" dt="2025-06-03T19:37:12.254" v="10" actId="47"/>
-        <pc:sldMkLst>
-          <pc:docMk/>
-          <pc:sldMk cId="3225644338" sldId="258"/>
-        </pc:sldMkLst>
-      </pc:sldChg>
-      <pc:sldChg chg="del">
-        <pc:chgData name="Miguel Trigueros Muñoz" userId="7753574ed83b4f98" providerId="LiveId" clId="{6E2B57D0-9B5C-42EF-9EE3-DD3AC85287A6}" dt="2025-06-03T19:36:59.023" v="8" actId="47"/>
-        <pc:sldMkLst>
-          <pc:docMk/>
-          <pc:sldMk cId="2307703530" sldId="259"/>
-        </pc:sldMkLst>
-      </pc:sldChg>
-      <pc:sldChg chg="del">
-        <pc:chgData name="Miguel Trigueros Muñoz" userId="7753574ed83b4f98" providerId="LiveId" clId="{6E2B57D0-9B5C-42EF-9EE3-DD3AC85287A6}" dt="2025-06-03T19:37:12.254" v="10" actId="47"/>
-        <pc:sldMkLst>
-          <pc:docMk/>
-          <pc:sldMk cId="2255838214" sldId="261"/>
-        </pc:sldMkLst>
-      </pc:sldChg>
-      <pc:sldChg chg="del">
-        <pc:chgData name="Miguel Trigueros Muñoz" userId="7753574ed83b4f98" providerId="LiveId" clId="{6E2B57D0-9B5C-42EF-9EE3-DD3AC85287A6}" dt="2025-06-03T19:37:12.254" v="10" actId="47"/>
-        <pc:sldMkLst>
-          <pc:docMk/>
-          <pc:sldMk cId="266690542" sldId="262"/>
-        </pc:sldMkLst>
-      </pc:sldChg>
-      <pc:sldChg chg="del">
-        <pc:chgData name="Miguel Trigueros Muñoz" userId="7753574ed83b4f98" providerId="LiveId" clId="{6E2B57D0-9B5C-42EF-9EE3-DD3AC85287A6}" dt="2025-06-03T19:37:12.254" v="10" actId="47"/>
-        <pc:sldMkLst>
-          <pc:docMk/>
-          <pc:sldMk cId="4171822218" sldId="263"/>
-        </pc:sldMkLst>
-      </pc:sldChg>
-      <pc:sldChg chg="del">
-        <pc:chgData name="Miguel Trigueros Muñoz" userId="7753574ed83b4f98" providerId="LiveId" clId="{6E2B57D0-9B5C-42EF-9EE3-DD3AC85287A6}" dt="2025-06-03T19:37:12.254" v="10" actId="47"/>
-        <pc:sldMkLst>
-          <pc:docMk/>
-          <pc:sldMk cId="198822278" sldId="264"/>
-        </pc:sldMkLst>
-      </pc:sldChg>
-      <pc:sldChg chg="del">
-        <pc:chgData name="Miguel Trigueros Muñoz" userId="7753574ed83b4f98" providerId="LiveId" clId="{6E2B57D0-9B5C-42EF-9EE3-DD3AC85287A6}" dt="2025-06-03T19:37:12.254" v="10" actId="47"/>
-        <pc:sldMkLst>
-          <pc:docMk/>
-          <pc:sldMk cId="1809345959" sldId="265"/>
-        </pc:sldMkLst>
-      </pc:sldChg>
-      <pc:sldChg chg="del">
-        <pc:chgData name="Miguel Trigueros Muñoz" userId="7753574ed83b4f98" providerId="LiveId" clId="{6E2B57D0-9B5C-42EF-9EE3-DD3AC85287A6}" dt="2025-06-03T19:37:12.254" v="10" actId="47"/>
-        <pc:sldMkLst>
-          <pc:docMk/>
-          <pc:sldMk cId="1608651946" sldId="266"/>
-        </pc:sldMkLst>
-      </pc:sldChg>
-      <pc:sldChg chg="del">
-        <pc:chgData name="Miguel Trigueros Muñoz" userId="7753574ed83b4f98" providerId="LiveId" clId="{6E2B57D0-9B5C-42EF-9EE3-DD3AC85287A6}" dt="2025-06-03T19:37:12.254" v="10" actId="47"/>
-        <pc:sldMkLst>
-          <pc:docMk/>
-          <pc:sldMk cId="481655522" sldId="267"/>
-        </pc:sldMkLst>
-      </pc:sldChg>
-      <pc:sldChg chg="del">
-        <pc:chgData name="Miguel Trigueros Muñoz" userId="7753574ed83b4f98" providerId="LiveId" clId="{6E2B57D0-9B5C-42EF-9EE3-DD3AC85287A6}" dt="2025-06-03T19:37:12.254" v="10" actId="47"/>
-        <pc:sldMkLst>
-          <pc:docMk/>
-          <pc:sldMk cId="961646088" sldId="268"/>
-        </pc:sldMkLst>
-      </pc:sldChg>
-      <pc:sldChg chg="del">
-        <pc:chgData name="Miguel Trigueros Muñoz" userId="7753574ed83b4f98" providerId="LiveId" clId="{6E2B57D0-9B5C-42EF-9EE3-DD3AC85287A6}" dt="2025-06-03T19:37:12.254" v="10" actId="47"/>
-        <pc:sldMkLst>
-          <pc:docMk/>
-          <pc:sldMk cId="1117988882" sldId="269"/>
-        </pc:sldMkLst>
-      </pc:sldChg>
-      <pc:sldChg chg="del">
-        <pc:chgData name="Miguel Trigueros Muñoz" userId="7753574ed83b4f98" providerId="LiveId" clId="{6E2B57D0-9B5C-42EF-9EE3-DD3AC85287A6}" dt="2025-06-03T19:37:12.254" v="10" actId="47"/>
-        <pc:sldMkLst>
-          <pc:docMk/>
-          <pc:sldMk cId="1565724437" sldId="270"/>
-        </pc:sldMkLst>
-      </pc:sldChg>
-      <pc:sldChg chg="del">
-        <pc:chgData name="Miguel Trigueros Muñoz" userId="7753574ed83b4f98" providerId="LiveId" clId="{6E2B57D0-9B5C-42EF-9EE3-DD3AC85287A6}" dt="2025-06-03T19:37:12.254" v="10" actId="47"/>
-        <pc:sldMkLst>
-          <pc:docMk/>
-          <pc:sldMk cId="3627065399" sldId="271"/>
-        </pc:sldMkLst>
-      </pc:sldChg>
-      <pc:sldChg chg="del">
-        <pc:chgData name="Miguel Trigueros Muñoz" userId="7753574ed83b4f98" providerId="LiveId" clId="{6E2B57D0-9B5C-42EF-9EE3-DD3AC85287A6}" dt="2025-06-03T19:37:12.254" v="10" actId="47"/>
-        <pc:sldMkLst>
-          <pc:docMk/>
-          <pc:sldMk cId="84655912" sldId="272"/>
-        </pc:sldMkLst>
-      </pc:sldChg>
-      <pc:sldChg chg="del">
-        <pc:chgData name="Miguel Trigueros Muñoz" userId="7753574ed83b4f98" providerId="LiveId" clId="{6E2B57D0-9B5C-42EF-9EE3-DD3AC85287A6}" dt="2025-06-03T19:37:12.254" v="10" actId="47"/>
-        <pc:sldMkLst>
-          <pc:docMk/>
-          <pc:sldMk cId="2693585966" sldId="274"/>
-        </pc:sldMkLst>
-      </pc:sldChg>
-      <pc:sldChg chg="modSp del mod">
-        <pc:chgData name="Miguel Trigueros Muñoz" userId="7753574ed83b4f98" providerId="LiveId" clId="{6E2B57D0-9B5C-42EF-9EE3-DD3AC85287A6}" dt="2025-06-05T08:59:43.580" v="227" actId="47"/>
-        <pc:sldMkLst>
-          <pc:docMk/>
-          <pc:sldMk cId="214941274" sldId="275"/>
-        </pc:sldMkLst>
-      </pc:sldChg>
-      <pc:sldChg chg="del">
-        <pc:chgData name="Miguel Trigueros Muñoz" userId="7753574ed83b4f98" providerId="LiveId" clId="{6E2B57D0-9B5C-42EF-9EE3-DD3AC85287A6}" dt="2025-06-03T19:37:12.254" v="10" actId="47"/>
-        <pc:sldMkLst>
-          <pc:docMk/>
-          <pc:sldMk cId="2701860735" sldId="276"/>
-        </pc:sldMkLst>
-      </pc:sldChg>
-      <pc:sldChg chg="del">
-        <pc:chgData name="Miguel Trigueros Muñoz" userId="7753574ed83b4f98" providerId="LiveId" clId="{6E2B57D0-9B5C-42EF-9EE3-DD3AC85287A6}" dt="2025-06-03T19:37:12.254" v="10" actId="47"/>
-        <pc:sldMkLst>
-          <pc:docMk/>
-          <pc:sldMk cId="3268001186" sldId="277"/>
-        </pc:sldMkLst>
-      </pc:sldChg>
-      <pc:sldChg chg="addSp delSp modSp mod">
-        <pc:chgData name="Miguel Trigueros Muñoz" userId="7753574ed83b4f98" providerId="LiveId" clId="{6E2B57D0-9B5C-42EF-9EE3-DD3AC85287A6}" dt="2025-06-05T09:19:45.765" v="499" actId="478"/>
+      <pc:sldChg chg="modSp">
+        <pc:chgData name="MIGUEL TRIGUEROS MUÑOZ" userId="S::miguel.trigueros@aulaxxi.murciaeduca.es::a4ee0321-97d7-430f-98a8-7ed13ff9a4bf" providerId="AD" clId="Web-{39BEA3D4-3504-DC2E-698D-97F23CA8B2F0}" dt="2025-10-04T05:37:25.056" v="135" actId="20577"/>
         <pc:sldMkLst>
           <pc:docMk/>
           <pc:sldMk cId="234060036" sldId="278"/>
         </pc:sldMkLst>
+        <pc:spChg chg="mod">
+          <ac:chgData name="MIGUEL TRIGUEROS MUÑOZ" userId="S::miguel.trigueros@aulaxxi.murciaeduca.es::a4ee0321-97d7-430f-98a8-7ed13ff9a4bf" providerId="AD" clId="Web-{39BEA3D4-3504-DC2E-698D-97F23CA8B2F0}" dt="2025-10-04T05:37:25.056" v="135" actId="20577"/>
+          <ac:spMkLst>
+            <pc:docMk/>
+            <pc:sldMk cId="234060036" sldId="278"/>
+            <ac:spMk id="5" creationId="{AB90D566-8559-AAD8-1CEB-27FE7C93EAC3}"/>
+          </ac:spMkLst>
+        </pc:spChg>
+        <pc:graphicFrameChg chg="mod">
+          <ac:chgData name="MIGUEL TRIGUEROS MUÑOZ" userId="S::miguel.trigueros@aulaxxi.murciaeduca.es::a4ee0321-97d7-430f-98a8-7ed13ff9a4bf" providerId="AD" clId="Web-{39BEA3D4-3504-DC2E-698D-97F23CA8B2F0}" dt="2025-10-04T05:36:40.503" v="101" actId="14100"/>
+          <ac:graphicFrameMkLst>
+            <pc:docMk/>
+            <pc:sldMk cId="234060036" sldId="278"/>
+            <ac:graphicFrameMk id="9" creationId="{FA7DB58F-83A0-C760-49F1-BA55F1B02D3F}"/>
+          </ac:graphicFrameMkLst>
+        </pc:graphicFrameChg>
       </pc:sldChg>
-      <pc:sldChg chg="addSp modSp mod">
-        <pc:chgData name="Miguel Trigueros Muñoz" userId="7753574ed83b4f98" providerId="LiveId" clId="{6E2B57D0-9B5C-42EF-9EE3-DD3AC85287A6}" dt="2025-06-05T09:39:28.052" v="1063" actId="1076"/>
-        <pc:sldMkLst>
-          <pc:docMk/>
-          <pc:sldMk cId="1379962113" sldId="280"/>
-        </pc:sldMkLst>
-      </pc:sldChg>
-      <pc:sldChg chg="modSp mod ord">
-        <pc:chgData name="Miguel Trigueros Muñoz" userId="7753574ed83b4f98" providerId="LiveId" clId="{6E2B57D0-9B5C-42EF-9EE3-DD3AC85287A6}" dt="2025-06-05T09:34:15.633" v="1051" actId="1076"/>
+      <pc:sldChg chg="modSp">
+        <pc:chgData name="MIGUEL TRIGUEROS MUÑOZ" userId="S::miguel.trigueros@aulaxxi.murciaeduca.es::a4ee0321-97d7-430f-98a8-7ed13ff9a4bf" providerId="AD" clId="Web-{39BEA3D4-3504-DC2E-698D-97F23CA8B2F0}" dt="2025-10-04T05:31:23.855" v="12" actId="20577"/>
         <pc:sldMkLst>
           <pc:docMk/>
           <pc:sldMk cId="2216667076" sldId="281"/>
         </pc:sldMkLst>
+        <pc:spChg chg="mod">
+          <ac:chgData name="MIGUEL TRIGUEROS MUÑOZ" userId="S::miguel.trigueros@aulaxxi.murciaeduca.es::a4ee0321-97d7-430f-98a8-7ed13ff9a4bf" providerId="AD" clId="Web-{39BEA3D4-3504-DC2E-698D-97F23CA8B2F0}" dt="2025-10-04T05:31:23.855" v="12" actId="20577"/>
+          <ac:spMkLst>
+            <pc:docMk/>
+            <pc:sldMk cId="2216667076" sldId="281"/>
+            <ac:spMk id="12" creationId="{3538DB87-89AE-C169-4C80-C15D9B232DEB}"/>
+          </ac:spMkLst>
+        </pc:spChg>
       </pc:sldChg>
       <pc:sldChg chg="modSp">
-        <pc:chgData name="Miguel Trigueros Muñoz" userId="7753574ed83b4f98" providerId="LiveId" clId="{6E2B57D0-9B5C-42EF-9EE3-DD3AC85287A6}" dt="2025-06-05T09:10:35.126" v="320" actId="313"/>
-        <pc:sldMkLst>
-          <pc:docMk/>
-          <pc:sldMk cId="1197299512" sldId="288"/>
-        </pc:sldMkLst>
-      </pc:sldChg>
-      <pc:sldChg chg="modSp">
-        <pc:chgData name="Miguel Trigueros Muñoz" userId="7753574ed83b4f98" providerId="LiveId" clId="{6E2B57D0-9B5C-42EF-9EE3-DD3AC85287A6}" dt="2025-06-05T09:10:36.396" v="322" actId="313"/>
-        <pc:sldMkLst>
-          <pc:docMk/>
-          <pc:sldMk cId="4234568026" sldId="289"/>
-        </pc:sldMkLst>
-      </pc:sldChg>
-      <pc:sldChg chg="modSp">
-        <pc:chgData name="Miguel Trigueros Muñoz" userId="7753574ed83b4f98" providerId="LiveId" clId="{6E2B57D0-9B5C-42EF-9EE3-DD3AC85287A6}" dt="2025-06-05T09:10:37.388" v="324" actId="313"/>
-        <pc:sldMkLst>
-          <pc:docMk/>
-          <pc:sldMk cId="2137865637" sldId="290"/>
-        </pc:sldMkLst>
-      </pc:sldChg>
-      <pc:sldChg chg="del">
-        <pc:chgData name="Miguel Trigueros Muñoz" userId="7753574ed83b4f98" providerId="LiveId" clId="{6E2B57D0-9B5C-42EF-9EE3-DD3AC85287A6}" dt="2025-06-03T19:37:12.254" v="10" actId="47"/>
-        <pc:sldMkLst>
-          <pc:docMk/>
-          <pc:sldMk cId="3350392576" sldId="297"/>
-        </pc:sldMkLst>
-      </pc:sldChg>
-      <pc:sldChg chg="modSp mod">
-        <pc:chgData name="Miguel Trigueros Muñoz" userId="7753574ed83b4f98" providerId="LiveId" clId="{6E2B57D0-9B5C-42EF-9EE3-DD3AC85287A6}" dt="2025-06-05T09:34:44.339" v="1053" actId="20577"/>
-        <pc:sldMkLst>
-          <pc:docMk/>
-          <pc:sldMk cId="2254496353" sldId="298"/>
-        </pc:sldMkLst>
-      </pc:sldChg>
-      <pc:sldChg chg="del">
-        <pc:chgData name="Miguel Trigueros Muñoz" userId="7753574ed83b4f98" providerId="LiveId" clId="{6E2B57D0-9B5C-42EF-9EE3-DD3AC85287A6}" dt="2025-06-03T19:37:01.267" v="9" actId="47"/>
-        <pc:sldMkLst>
-          <pc:docMk/>
-          <pc:sldMk cId="1241847054" sldId="299"/>
-        </pc:sldMkLst>
-      </pc:sldChg>
-      <pc:sldChg chg="del">
-        <pc:chgData name="Miguel Trigueros Muñoz" userId="7753574ed83b4f98" providerId="LiveId" clId="{6E2B57D0-9B5C-42EF-9EE3-DD3AC85287A6}" dt="2025-06-03T19:37:12.254" v="10" actId="47"/>
-        <pc:sldMkLst>
-          <pc:docMk/>
-          <pc:sldMk cId="2412927765" sldId="300"/>
-        </pc:sldMkLst>
-      </pc:sldChg>
-      <pc:sldChg chg="del">
-        <pc:chgData name="Miguel Trigueros Muñoz" userId="7753574ed83b4f98" providerId="LiveId" clId="{6E2B57D0-9B5C-42EF-9EE3-DD3AC85287A6}" dt="2025-06-03T19:37:12.254" v="10" actId="47"/>
-        <pc:sldMkLst>
-          <pc:docMk/>
-          <pc:sldMk cId="809192705" sldId="302"/>
-        </pc:sldMkLst>
-      </pc:sldChg>
-      <pc:sldChg chg="addSp modSp mod ord">
-        <pc:chgData name="Miguel Trigueros Muñoz" userId="7753574ed83b4f98" providerId="LiveId" clId="{6E2B57D0-9B5C-42EF-9EE3-DD3AC85287A6}" dt="2025-06-05T09:32:21.295" v="948" actId="20577"/>
-        <pc:sldMkLst>
-          <pc:docMk/>
-          <pc:sldMk cId="3075958186" sldId="304"/>
-        </pc:sldMkLst>
-      </pc:sldChg>
-      <pc:sldChg chg="del">
-        <pc:chgData name="Miguel Trigueros Muñoz" userId="7753574ed83b4f98" providerId="LiveId" clId="{6E2B57D0-9B5C-42EF-9EE3-DD3AC85287A6}" dt="2025-06-03T19:37:12.254" v="10" actId="47"/>
-        <pc:sldMkLst>
-          <pc:docMk/>
-          <pc:sldMk cId="1881207891" sldId="306"/>
-        </pc:sldMkLst>
-      </pc:sldChg>
-      <pc:sldChg chg="del">
-        <pc:chgData name="Miguel Trigueros Muñoz" userId="7753574ed83b4f98" providerId="LiveId" clId="{6E2B57D0-9B5C-42EF-9EE3-DD3AC85287A6}" dt="2025-06-03T19:37:12.254" v="10" actId="47"/>
-        <pc:sldMkLst>
-          <pc:docMk/>
-          <pc:sldMk cId="1444959973" sldId="307"/>
-        </pc:sldMkLst>
-      </pc:sldChg>
-      <pc:sldChg chg="modSp mod">
-        <pc:chgData name="Miguel Trigueros Muñoz" userId="7753574ed83b4f98" providerId="LiveId" clId="{6E2B57D0-9B5C-42EF-9EE3-DD3AC85287A6}" dt="2025-06-05T09:25:32.370" v="761" actId="6549"/>
-        <pc:sldMkLst>
-          <pc:docMk/>
-          <pc:sldMk cId="109253469" sldId="311"/>
-        </pc:sldMkLst>
-      </pc:sldChg>
-      <pc:sldChg chg="del">
-        <pc:chgData name="Miguel Trigueros Muñoz" userId="7753574ed83b4f98" providerId="LiveId" clId="{6E2B57D0-9B5C-42EF-9EE3-DD3AC85287A6}" dt="2025-06-03T19:36:07.025" v="5" actId="47"/>
-        <pc:sldMkLst>
-          <pc:docMk/>
-          <pc:sldMk cId="3316263137" sldId="312"/>
-        </pc:sldMkLst>
-      </pc:sldChg>
-      <pc:sldChg chg="modSp mod">
-        <pc:chgData name="Miguel Trigueros Muñoz" userId="7753574ed83b4f98" providerId="LiveId" clId="{6E2B57D0-9B5C-42EF-9EE3-DD3AC85287A6}" dt="2025-06-05T09:10:20.039" v="304" actId="313"/>
-        <pc:sldMkLst>
-          <pc:docMk/>
-          <pc:sldMk cId="2824442735" sldId="313"/>
-        </pc:sldMkLst>
-      </pc:sldChg>
-      <pc:sldChg chg="modSp mod">
-        <pc:chgData name="Miguel Trigueros Muñoz" userId="7753574ed83b4f98" providerId="LiveId" clId="{6E2B57D0-9B5C-42EF-9EE3-DD3AC85287A6}" dt="2025-06-05T09:10:20.961" v="306" actId="313"/>
-        <pc:sldMkLst>
-          <pc:docMk/>
-          <pc:sldMk cId="1344934891" sldId="314"/>
-        </pc:sldMkLst>
-      </pc:sldChg>
-      <pc:sldChg chg="modSp mod">
-        <pc:chgData name="Miguel Trigueros Muñoz" userId="7753574ed83b4f98" providerId="LiveId" clId="{6E2B57D0-9B5C-42EF-9EE3-DD3AC85287A6}" dt="2025-06-05T09:10:21.886" v="308" actId="313"/>
-        <pc:sldMkLst>
-          <pc:docMk/>
-          <pc:sldMk cId="1658566846" sldId="315"/>
-        </pc:sldMkLst>
-      </pc:sldChg>
-      <pc:sldChg chg="modSp mod">
-        <pc:chgData name="Miguel Trigueros Muñoz" userId="7753574ed83b4f98" providerId="LiveId" clId="{6E2B57D0-9B5C-42EF-9EE3-DD3AC85287A6}" dt="2025-06-05T09:10:27.839" v="310" actId="313"/>
-        <pc:sldMkLst>
-          <pc:docMk/>
-          <pc:sldMk cId="4159830345" sldId="316"/>
-        </pc:sldMkLst>
-      </pc:sldChg>
-      <pc:sldChg chg="modSp mod">
-        <pc:chgData name="Miguel Trigueros Muñoz" userId="7753574ed83b4f98" providerId="LiveId" clId="{6E2B57D0-9B5C-42EF-9EE3-DD3AC85287A6}" dt="2025-06-05T09:10:29.727" v="312" actId="313"/>
-        <pc:sldMkLst>
-          <pc:docMk/>
-          <pc:sldMk cId="6409236" sldId="317"/>
-        </pc:sldMkLst>
-      </pc:sldChg>
-      <pc:sldChg chg="modSp">
-        <pc:chgData name="Miguel Trigueros Muñoz" userId="7753574ed83b4f98" providerId="LiveId" clId="{6E2B57D0-9B5C-42EF-9EE3-DD3AC85287A6}" dt="2025-06-05T09:10:30.688" v="314" actId="313"/>
+        <pc:chgData name="MIGUEL TRIGUEROS MUÑOZ" userId="S::miguel.trigueros@aulaxxi.murciaeduca.es::a4ee0321-97d7-430f-98a8-7ed13ff9a4bf" providerId="AD" clId="Web-{39BEA3D4-3504-DC2E-698D-97F23CA8B2F0}" dt="2025-10-04T05:34:35.782" v="17" actId="20577"/>
         <pc:sldMkLst>
           <pc:docMk/>
           <pc:sldMk cId="1697092290" sldId="318"/>
         </pc:sldMkLst>
+        <pc:spChg chg="mod">
+          <ac:chgData name="MIGUEL TRIGUEROS MUÑOZ" userId="S::miguel.trigueros@aulaxxi.murciaeduca.es::a4ee0321-97d7-430f-98a8-7ed13ff9a4bf" providerId="AD" clId="Web-{39BEA3D4-3504-DC2E-698D-97F23CA8B2F0}" dt="2025-10-04T05:34:35.782" v="17" actId="20577"/>
+          <ac:spMkLst>
+            <pc:docMk/>
+            <pc:sldMk cId="1697092290" sldId="318"/>
+            <ac:spMk id="5" creationId="{B53BE892-83A6-687A-7513-160990AA5D50}"/>
+          </ac:spMkLst>
+        </pc:spChg>
       </pc:sldChg>
-      <pc:sldChg chg="modSp">
-        <pc:chgData name="Miguel Trigueros Muñoz" userId="7753574ed83b4f98" providerId="LiveId" clId="{6E2B57D0-9B5C-42EF-9EE3-DD3AC85287A6}" dt="2025-06-05T09:10:32.125" v="316" actId="313"/>
-        <pc:sldMkLst>
-          <pc:docMk/>
-          <pc:sldMk cId="3418302113" sldId="319"/>
-        </pc:sldMkLst>
-      </pc:sldChg>
-      <pc:sldChg chg="modSp">
-        <pc:chgData name="Miguel Trigueros Muñoz" userId="7753574ed83b4f98" providerId="LiveId" clId="{6E2B57D0-9B5C-42EF-9EE3-DD3AC85287A6}" dt="2025-06-05T09:10:33.542" v="318" actId="313"/>
-        <pc:sldMkLst>
-          <pc:docMk/>
-          <pc:sldMk cId="2142034898" sldId="320"/>
-        </pc:sldMkLst>
-      </pc:sldChg>
-      <pc:sldChg chg="del">
-        <pc:chgData name="Miguel Trigueros Muñoz" userId="7753574ed83b4f98" providerId="LiveId" clId="{6E2B57D0-9B5C-42EF-9EE3-DD3AC85287A6}" dt="2025-06-03T19:37:12.254" v="10" actId="47"/>
-        <pc:sldMkLst>
-          <pc:docMk/>
-          <pc:sldMk cId="889181934" sldId="321"/>
-        </pc:sldMkLst>
-      </pc:sldChg>
-      <pc:sldChg chg="addSp modSp add">
-        <pc:chgData name="Miguel Trigueros Muñoz" userId="7753574ed83b4f98" providerId="LiveId" clId="{6E2B57D0-9B5C-42EF-9EE3-DD3AC85287A6}" dt="2025-06-05T09:38:54.111" v="1060" actId="1076"/>
+      <pc:sldChg chg="addSp modSp">
+        <pc:chgData name="MIGUEL TRIGUEROS MUÑOZ" userId="S::miguel.trigueros@aulaxxi.murciaeduca.es::a4ee0321-97d7-430f-98a8-7ed13ff9a4bf" providerId="AD" clId="Web-{39BEA3D4-3504-DC2E-698D-97F23CA8B2F0}" dt="2025-10-04T05:36:44.550" v="103" actId="1076"/>
         <pc:sldMkLst>
           <pc:docMk/>
           <pc:sldMk cId="2271490309" sldId="321"/>
         </pc:sldMkLst>
-      </pc:sldChg>
-      <pc:sldChg chg="addSp modSp add del mod setBg">
-        <pc:chgData name="Miguel Trigueros Muñoz" userId="7753574ed83b4f98" providerId="LiveId" clId="{6E2B57D0-9B5C-42EF-9EE3-DD3AC85287A6}" dt="2025-06-05T09:03:20.840" v="230" actId="47"/>
-        <pc:sldMkLst>
-          <pc:docMk/>
-          <pc:sldMk cId="2730973768" sldId="321"/>
-        </pc:sldMkLst>
-      </pc:sldChg>
-      <pc:sldChg chg="add del">
-        <pc:chgData name="Miguel Trigueros Muñoz" userId="7753574ed83b4f98" providerId="LiveId" clId="{6E2B57D0-9B5C-42EF-9EE3-DD3AC85287A6}" dt="2025-06-05T09:35:37.526" v="1055"/>
-        <pc:sldMkLst>
-          <pc:docMk/>
-          <pc:sldMk cId="4040990014" sldId="321"/>
-        </pc:sldMkLst>
-      </pc:sldChg>
-      <pc:sldChg chg="del">
-        <pc:chgData name="Miguel Trigueros Muñoz" userId="7753574ed83b4f98" providerId="LiveId" clId="{6E2B57D0-9B5C-42EF-9EE3-DD3AC85287A6}" dt="2025-06-03T19:37:12.254" v="10" actId="47"/>
-        <pc:sldMkLst>
-          <pc:docMk/>
-          <pc:sldMk cId="2887426860" sldId="322"/>
-        </pc:sldMkLst>
-      </pc:sldChg>
-      <pc:sldChg chg="del">
-        <pc:chgData name="Miguel Trigueros Muñoz" userId="7753574ed83b4f98" providerId="LiveId" clId="{6E2B57D0-9B5C-42EF-9EE3-DD3AC85287A6}" dt="2025-06-03T19:37:12.254" v="10" actId="47"/>
-        <pc:sldMkLst>
-          <pc:docMk/>
-          <pc:sldMk cId="2364871344" sldId="323"/>
-        </pc:sldMkLst>
-      </pc:sldChg>
-    </pc:docChg>
-  </pc:docChgLst>
-  <pc:docChgLst>
-    <pc:chgData name="MIGUEL TRIGUEROS MUÑOZ" userId="S::miguel.trigueros@aulaxxi.murciaeduca.es::a4ee0321-97d7-430f-98a8-7ed13ff9a4bf" providerId="AD" clId="Web-{853875B6-6D9B-4730-95E9-4569B1F4B9B7}"/>
-    <pc:docChg chg="modSld">
-      <pc:chgData name="MIGUEL TRIGUEROS MUÑOZ" userId="S::miguel.trigueros@aulaxxi.murciaeduca.es::a4ee0321-97d7-430f-98a8-7ed13ff9a4bf" providerId="AD" clId="Web-{853875B6-6D9B-4730-95E9-4569B1F4B9B7}" dt="2025-01-16T12:32:41.322" v="10" actId="20577"/>
-      <pc:docMkLst>
-        <pc:docMk/>
-      </pc:docMkLst>
-      <pc:sldChg chg="modSp">
-        <pc:chgData name="MIGUEL TRIGUEROS MUÑOZ" userId="S::miguel.trigueros@aulaxxi.murciaeduca.es::a4ee0321-97d7-430f-98a8-7ed13ff9a4bf" providerId="AD" clId="Web-{853875B6-6D9B-4730-95E9-4569B1F4B9B7}" dt="2025-01-16T12:32:41.322" v="10" actId="20577"/>
-        <pc:sldMkLst>
-          <pc:docMk/>
-          <pc:sldMk cId="2355888609" sldId="291"/>
-        </pc:sldMkLst>
-      </pc:sldChg>
-    </pc:docChg>
-  </pc:docChgLst>
-  <pc:docChgLst>
-    <pc:chgData name="MIGUEL TRIGUEROS MUÑOZ" userId="a4ee0321-97d7-430f-98a8-7ed13ff9a4bf" providerId="ADAL" clId="{8E5DD92B-C8F3-4A6E-BC22-5DCCCB59D5CC}"/>
-    <pc:docChg chg="undo custSel addSld modSld">
-      <pc:chgData name="MIGUEL TRIGUEROS MUÑOZ" userId="a4ee0321-97d7-430f-98a8-7ed13ff9a4bf" providerId="ADAL" clId="{8E5DD92B-C8F3-4A6E-BC22-5DCCCB59D5CC}" dt="2024-10-16T17:50:30.521" v="1489" actId="20577"/>
-      <pc:docMkLst>
-        <pc:docMk/>
-      </pc:docMkLst>
-      <pc:sldChg chg="modSp mod">
-        <pc:chgData name="MIGUEL TRIGUEROS MUÑOZ" userId="a4ee0321-97d7-430f-98a8-7ed13ff9a4bf" providerId="ADAL" clId="{8E5DD92B-C8F3-4A6E-BC22-5DCCCB59D5CC}" dt="2024-10-16T17:27:43.604" v="1475" actId="20577"/>
-        <pc:sldMkLst>
-          <pc:docMk/>
-          <pc:sldMk cId="198822278" sldId="264"/>
-        </pc:sldMkLst>
-      </pc:sldChg>
-      <pc:sldChg chg="modNotesTx">
-        <pc:chgData name="MIGUEL TRIGUEROS MUÑOZ" userId="a4ee0321-97d7-430f-98a8-7ed13ff9a4bf" providerId="ADAL" clId="{8E5DD92B-C8F3-4A6E-BC22-5DCCCB59D5CC}" dt="2024-10-16T15:45:16.590" v="1415" actId="20577"/>
-        <pc:sldMkLst>
-          <pc:docMk/>
-          <pc:sldMk cId="1608651946" sldId="266"/>
-        </pc:sldMkLst>
-      </pc:sldChg>
-      <pc:sldChg chg="modSp mod modNotesTx">
-        <pc:chgData name="MIGUEL TRIGUEROS MUÑOZ" userId="a4ee0321-97d7-430f-98a8-7ed13ff9a4bf" providerId="ADAL" clId="{8E5DD92B-C8F3-4A6E-BC22-5DCCCB59D5CC}" dt="2024-10-16T17:50:30.521" v="1489" actId="20577"/>
-        <pc:sldMkLst>
-          <pc:docMk/>
-          <pc:sldMk cId="84655912" sldId="272"/>
-        </pc:sldMkLst>
-      </pc:sldChg>
-      <pc:sldChg chg="modSp mod">
-        <pc:chgData name="MIGUEL TRIGUEROS MUÑOZ" userId="a4ee0321-97d7-430f-98a8-7ed13ff9a4bf" providerId="ADAL" clId="{8E5DD92B-C8F3-4A6E-BC22-5DCCCB59D5CC}" dt="2024-10-02T20:04:58.630" v="797" actId="20577"/>
-        <pc:sldMkLst>
-          <pc:docMk/>
-          <pc:sldMk cId="2693585966" sldId="274"/>
-        </pc:sldMkLst>
-      </pc:sldChg>
-      <pc:sldChg chg="modSp mod">
-        <pc:chgData name="MIGUEL TRIGUEROS MUÑOZ" userId="a4ee0321-97d7-430f-98a8-7ed13ff9a4bf" providerId="ADAL" clId="{8E5DD92B-C8F3-4A6E-BC22-5DCCCB59D5CC}" dt="2024-09-26T09:31:57.333" v="377" actId="20577"/>
-        <pc:sldMkLst>
-          <pc:docMk/>
-          <pc:sldMk cId="3268001186" sldId="277"/>
-        </pc:sldMkLst>
-      </pc:sldChg>
-      <pc:sldChg chg="modSp mod">
-        <pc:chgData name="MIGUEL TRIGUEROS MUÑOZ" userId="a4ee0321-97d7-430f-98a8-7ed13ff9a4bf" providerId="ADAL" clId="{8E5DD92B-C8F3-4A6E-BC22-5DCCCB59D5CC}" dt="2024-10-09T07:41:02.228" v="1286" actId="108"/>
-        <pc:sldMkLst>
-          <pc:docMk/>
-          <pc:sldMk cId="1379962113" sldId="280"/>
-        </pc:sldMkLst>
-      </pc:sldChg>
-      <pc:sldChg chg="modSp mod">
-        <pc:chgData name="MIGUEL TRIGUEROS MUÑOZ" userId="a4ee0321-97d7-430f-98a8-7ed13ff9a4bf" providerId="ADAL" clId="{8E5DD92B-C8F3-4A6E-BC22-5DCCCB59D5CC}" dt="2024-10-02T17:38:57.528" v="603" actId="20577"/>
-        <pc:sldMkLst>
-          <pc:docMk/>
-          <pc:sldMk cId="2137865637" sldId="290"/>
-        </pc:sldMkLst>
-      </pc:sldChg>
-      <pc:sldChg chg="modSp mod">
-        <pc:chgData name="MIGUEL TRIGUEROS MUÑOZ" userId="a4ee0321-97d7-430f-98a8-7ed13ff9a4bf" providerId="ADAL" clId="{8E5DD92B-C8F3-4A6E-BC22-5DCCCB59D5CC}" dt="2024-10-08T15:43:26.939" v="1177" actId="113"/>
-        <pc:sldMkLst>
-          <pc:docMk/>
-          <pc:sldMk cId="2254496353" sldId="298"/>
-        </pc:sldMkLst>
-      </pc:sldChg>
-      <pc:sldChg chg="modSp mod">
-        <pc:chgData name="MIGUEL TRIGUEROS MUÑOZ" userId="a4ee0321-97d7-430f-98a8-7ed13ff9a4bf" providerId="ADAL" clId="{8E5DD92B-C8F3-4A6E-BC22-5DCCCB59D5CC}" dt="2024-09-26T09:29:55.951" v="345" actId="20577"/>
-        <pc:sldMkLst>
-          <pc:docMk/>
-          <pc:sldMk cId="2412927765" sldId="300"/>
-        </pc:sldMkLst>
-      </pc:sldChg>
-      <pc:sldChg chg="modSp mod">
-        <pc:chgData name="MIGUEL TRIGUEROS MUÑOZ" userId="a4ee0321-97d7-430f-98a8-7ed13ff9a4bf" providerId="ADAL" clId="{8E5DD92B-C8F3-4A6E-BC22-5DCCCB59D5CC}" dt="2024-10-08T15:43:04.059" v="1175" actId="27636"/>
-        <pc:sldMkLst>
-          <pc:docMk/>
-          <pc:sldMk cId="109253469" sldId="311"/>
-        </pc:sldMkLst>
-      </pc:sldChg>
-      <pc:sldChg chg="modSp mod">
-        <pc:chgData name="MIGUEL TRIGUEROS MUÑOZ" userId="a4ee0321-97d7-430f-98a8-7ed13ff9a4bf" providerId="ADAL" clId="{8E5DD92B-C8F3-4A6E-BC22-5DCCCB59D5CC}" dt="2024-10-02T17:37:09.914" v="587" actId="108"/>
-        <pc:sldMkLst>
-          <pc:docMk/>
-          <pc:sldMk cId="1344934891" sldId="314"/>
-        </pc:sldMkLst>
-      </pc:sldChg>
-      <pc:sldChg chg="modSp mod">
-        <pc:chgData name="MIGUEL TRIGUEROS MUÑOZ" userId="a4ee0321-97d7-430f-98a8-7ed13ff9a4bf" providerId="ADAL" clId="{8E5DD92B-C8F3-4A6E-BC22-5DCCCB59D5CC}" dt="2024-10-08T12:20:18.965" v="1073" actId="5793"/>
-        <pc:sldMkLst>
-          <pc:docMk/>
-          <pc:sldMk cId="6409236" sldId="317"/>
-        </pc:sldMkLst>
-      </pc:sldChg>
-      <pc:sldChg chg="modSp mod">
-        <pc:chgData name="MIGUEL TRIGUEROS MUÑOZ" userId="a4ee0321-97d7-430f-98a8-7ed13ff9a4bf" providerId="ADAL" clId="{8E5DD92B-C8F3-4A6E-BC22-5DCCCB59D5CC}" dt="2024-10-08T12:20:33.806" v="1105" actId="20577"/>
-        <pc:sldMkLst>
-          <pc:docMk/>
-          <pc:sldMk cId="1697092290" sldId="318"/>
-        </pc:sldMkLst>
-      </pc:sldChg>
-      <pc:sldChg chg="modSp mod">
-        <pc:chgData name="MIGUEL TRIGUEROS MUÑOZ" userId="a4ee0321-97d7-430f-98a8-7ed13ff9a4bf" providerId="ADAL" clId="{8E5DD92B-C8F3-4A6E-BC22-5DCCCB59D5CC}" dt="2024-10-09T07:41:34.611" v="1317" actId="108"/>
-        <pc:sldMkLst>
-          <pc:docMk/>
-          <pc:sldMk cId="3418302113" sldId="319"/>
-        </pc:sldMkLst>
-      </pc:sldChg>
-      <pc:sldChg chg="modSp new mod">
-        <pc:chgData name="MIGUEL TRIGUEROS MUÑOZ" userId="a4ee0321-97d7-430f-98a8-7ed13ff9a4bf" providerId="ADAL" clId="{8E5DD92B-C8F3-4A6E-BC22-5DCCCB59D5CC}" dt="2024-09-24T05:52:48.949" v="145" actId="15"/>
-        <pc:sldMkLst>
-          <pc:docMk/>
-          <pc:sldMk cId="889181934" sldId="321"/>
-        </pc:sldMkLst>
-      </pc:sldChg>
-      <pc:sldChg chg="modSp new mod">
-        <pc:chgData name="MIGUEL TRIGUEROS MUÑOZ" userId="a4ee0321-97d7-430f-98a8-7ed13ff9a4bf" providerId="ADAL" clId="{8E5DD92B-C8F3-4A6E-BC22-5DCCCB59D5CC}" dt="2024-09-24T05:54:11.628" v="198" actId="20577"/>
-        <pc:sldMkLst>
-          <pc:docMk/>
-          <pc:sldMk cId="2887426860" sldId="322"/>
-        </pc:sldMkLst>
-      </pc:sldChg>
-      <pc:sldChg chg="addSp modSp new mod">
-        <pc:chgData name="MIGUEL TRIGUEROS MUÑOZ" userId="a4ee0321-97d7-430f-98a8-7ed13ff9a4bf" providerId="ADAL" clId="{8E5DD92B-C8F3-4A6E-BC22-5DCCCB59D5CC}" dt="2024-09-26T09:33:06.060" v="449" actId="22"/>
-        <pc:sldMkLst>
-          <pc:docMk/>
-          <pc:sldMk cId="2364871344" sldId="323"/>
-        </pc:sldMkLst>
-      </pc:sldChg>
-    </pc:docChg>
-  </pc:docChgLst>
-  <pc:docChgLst>
-    <pc:chgData name="MIGUEL TRIGUEROS MUÑOZ" userId="a4ee0321-97d7-430f-98a8-7ed13ff9a4bf" providerId="ADAL" clId="{5C9362E4-351E-4798-BB34-F20327DD0ED3}"/>
-    <pc:docChg chg="modSld">
-      <pc:chgData name="MIGUEL TRIGUEROS MUÑOZ" userId="a4ee0321-97d7-430f-98a8-7ed13ff9a4bf" providerId="ADAL" clId="{5C9362E4-351E-4798-BB34-F20327DD0ED3}" dt="2024-12-07T12:49:38.123" v="55" actId="20577"/>
-      <pc:docMkLst>
-        <pc:docMk/>
-      </pc:docMkLst>
-      <pc:sldChg chg="modSp mod">
-        <pc:chgData name="MIGUEL TRIGUEROS MUÑOZ" userId="a4ee0321-97d7-430f-98a8-7ed13ff9a4bf" providerId="ADAL" clId="{5C9362E4-351E-4798-BB34-F20327DD0ED3}" dt="2024-12-07T12:49:38.123" v="55" actId="20577"/>
-        <pc:sldMkLst>
-          <pc:docMk/>
-          <pc:sldMk cId="3075958186" sldId="304"/>
-        </pc:sldMkLst>
-      </pc:sldChg>
-    </pc:docChg>
-  </pc:docChgLst>
-  <pc:docChgLst>
-    <pc:chgData name="MIGUEL TRIGUEROS MUÑOZ" userId="S::miguel.trigueros@aulaxxi.murciaeduca.es::a4ee0321-97d7-430f-98a8-7ed13ff9a4bf" providerId="AD" clId="Web-{9C491806-FBD2-851B-B133-B29B2CA7A521}"/>
-    <pc:docChg chg="modSld">
-      <pc:chgData name="MIGUEL TRIGUEROS MUÑOZ" userId="S::miguel.trigueros@aulaxxi.murciaeduca.es::a4ee0321-97d7-430f-98a8-7ed13ff9a4bf" providerId="AD" clId="Web-{9C491806-FBD2-851B-B133-B29B2CA7A521}" dt="2025-06-03T06:45:19.825" v="7" actId="20577"/>
-      <pc:docMkLst>
-        <pc:docMk/>
-      </pc:docMkLst>
-      <pc:sldChg chg="modSp">
-        <pc:chgData name="MIGUEL TRIGUEROS MUÑOZ" userId="S::miguel.trigueros@aulaxxi.murciaeduca.es::a4ee0321-97d7-430f-98a8-7ed13ff9a4bf" providerId="AD" clId="Web-{9C491806-FBD2-851B-B133-B29B2CA7A521}" dt="2025-06-03T06:45:19.825" v="7" actId="20577"/>
-        <pc:sldMkLst>
-          <pc:docMk/>
-          <pc:sldMk cId="3627065399" sldId="271"/>
-        </pc:sldMkLst>
-      </pc:sldChg>
-    </pc:docChg>
-  </pc:docChgLst>
-  <pc:docChgLst>
-    <pc:chgData name="Miguel Trigueros Muñoz" userId="7753574ed83b4f98" providerId="LiveId" clId="{E6B6C95B-E2D5-48A9-A51E-D2A6652D7D3C}"/>
-    <pc:docChg chg="undo custSel addSld modSld modMainMaster">
-      <pc:chgData name="Miguel Trigueros Muñoz" userId="7753574ed83b4f98" providerId="LiveId" clId="{E6B6C95B-E2D5-48A9-A51E-D2A6652D7D3C}" dt="2025-07-08T08:14:06.866" v="879" actId="113"/>
-      <pc:docMkLst>
-        <pc:docMk/>
-      </pc:docMkLst>
-      <pc:sldChg chg="modSp mod">
-        <pc:chgData name="Miguel Trigueros Muñoz" userId="7753574ed83b4f98" providerId="LiveId" clId="{E6B6C95B-E2D5-48A9-A51E-D2A6652D7D3C}" dt="2025-06-25T10:13:13.211" v="35" actId="20577"/>
-        <pc:sldMkLst>
-          <pc:docMk/>
-          <pc:sldMk cId="308865771" sldId="256"/>
-        </pc:sldMkLst>
-      </pc:sldChg>
-      <pc:sldChg chg="modSp mod modNotesTx">
-        <pc:chgData name="Miguel Trigueros Muñoz" userId="7753574ed83b4f98" providerId="LiveId" clId="{E6B6C95B-E2D5-48A9-A51E-D2A6652D7D3C}" dt="2025-07-08T07:35:41.629" v="492" actId="20577"/>
-        <pc:sldMkLst>
-          <pc:docMk/>
-          <pc:sldMk cId="211006063" sldId="257"/>
-        </pc:sldMkLst>
-      </pc:sldChg>
-      <pc:sldChg chg="modSp mod">
-        <pc:chgData name="Miguel Trigueros Muñoz" userId="7753574ed83b4f98" providerId="LiveId" clId="{E6B6C95B-E2D5-48A9-A51E-D2A6652D7D3C}" dt="2025-07-08T07:45:48.746" v="496" actId="1076"/>
-        <pc:sldMkLst>
-          <pc:docMk/>
-          <pc:sldMk cId="234060036" sldId="278"/>
-        </pc:sldMkLst>
-      </pc:sldChg>
-      <pc:sldChg chg="modSp mod">
-        <pc:chgData name="Miguel Trigueros Muñoz" userId="7753574ed83b4f98" providerId="LiveId" clId="{E6B6C95B-E2D5-48A9-A51E-D2A6652D7D3C}" dt="2025-07-08T08:14:06.866" v="879" actId="113"/>
-        <pc:sldMkLst>
-          <pc:docMk/>
-          <pc:sldMk cId="2216667076" sldId="281"/>
-        </pc:sldMkLst>
-      </pc:sldChg>
-      <pc:sldChg chg="modSp mod modNotesTx">
-        <pc:chgData name="Miguel Trigueros Muñoz" userId="7753574ed83b4f98" providerId="LiveId" clId="{E6B6C95B-E2D5-48A9-A51E-D2A6652D7D3C}" dt="2025-07-08T08:11:56.871" v="865" actId="20577"/>
-        <pc:sldMkLst>
-          <pc:docMk/>
-          <pc:sldMk cId="1197299512" sldId="288"/>
-        </pc:sldMkLst>
-      </pc:sldChg>
-      <pc:sldChg chg="addSp delSp modSp mod modClrScheme chgLayout">
-        <pc:chgData name="Miguel Trigueros Muñoz" userId="7753574ed83b4f98" providerId="LiveId" clId="{E6B6C95B-E2D5-48A9-A51E-D2A6652D7D3C}" dt="2025-07-08T08:00:39.289" v="770" actId="20577"/>
-        <pc:sldMkLst>
-          <pc:docMk/>
-          <pc:sldMk cId="4234568026" sldId="289"/>
-        </pc:sldMkLst>
-      </pc:sldChg>
-      <pc:sldChg chg="addSp delSp modSp mod">
-        <pc:chgData name="Miguel Trigueros Muñoz" userId="7753574ed83b4f98" providerId="LiveId" clId="{E6B6C95B-E2D5-48A9-A51E-D2A6652D7D3C}" dt="2025-07-08T07:49:24.204" v="547"/>
-        <pc:sldMkLst>
-          <pc:docMk/>
-          <pc:sldMk cId="2137865637" sldId="290"/>
-        </pc:sldMkLst>
-      </pc:sldChg>
-      <pc:sldChg chg="modSp mod">
-        <pc:chgData name="Miguel Trigueros Muñoz" userId="7753574ed83b4f98" providerId="LiveId" clId="{E6B6C95B-E2D5-48A9-A51E-D2A6652D7D3C}" dt="2025-06-25T10:12:26.823" v="7" actId="6549"/>
-        <pc:sldMkLst>
-          <pc:docMk/>
-          <pc:sldMk cId="2355888609" sldId="291"/>
-        </pc:sldMkLst>
-      </pc:sldChg>
-      <pc:sldChg chg="modSp mod">
-        <pc:chgData name="Miguel Trigueros Muñoz" userId="7753574ed83b4f98" providerId="LiveId" clId="{E6B6C95B-E2D5-48A9-A51E-D2A6652D7D3C}" dt="2025-07-08T07:44:10.405" v="494" actId="20577"/>
-        <pc:sldMkLst>
-          <pc:docMk/>
-          <pc:sldMk cId="2254496353" sldId="298"/>
-        </pc:sldMkLst>
-      </pc:sldChg>
-      <pc:sldChg chg="delSp modSp add mod modClrScheme chgLayout">
-        <pc:chgData name="Miguel Trigueros Muñoz" userId="7753574ed83b4f98" providerId="LiveId" clId="{E6B6C95B-E2D5-48A9-A51E-D2A6652D7D3C}" dt="2025-07-08T07:52:53.355" v="728" actId="20577"/>
-        <pc:sldMkLst>
-          <pc:docMk/>
-          <pc:sldMk cId="2339664307" sldId="322"/>
-        </pc:sldMkLst>
-      </pc:sldChg>
-      <pc:sldMasterChg chg="modSp mod">
-        <pc:chgData name="Miguel Trigueros Muñoz" userId="7753574ed83b4f98" providerId="LiveId" clId="{E6B6C95B-E2D5-48A9-A51E-D2A6652D7D3C}" dt="2025-07-08T07:50:09.199" v="549" actId="20577"/>
-        <pc:sldMasterMkLst>
-          <pc:docMk/>
-          <pc:sldMasterMk cId="2269174234" sldId="2147483672"/>
-        </pc:sldMasterMkLst>
-      </pc:sldMasterChg>
-    </pc:docChg>
-  </pc:docChgLst>
-  <pc:docChgLst>
-    <pc:chgData name="MIGUEL TRIGUEROS MUÑOZ" userId="S::miguel.trigueros@aulaxxi.murciaeduca.es::a4ee0321-97d7-430f-98a8-7ed13ff9a4bf" providerId="AD" clId="Web-{FD0AFA6B-37D3-53F0-4F14-92D7F23A23F2}"/>
-    <pc:docChg chg="mod modSld">
-      <pc:chgData name="MIGUEL TRIGUEROS MUÑOZ" userId="S::miguel.trigueros@aulaxxi.murciaeduca.es::a4ee0321-97d7-430f-98a8-7ed13ff9a4bf" providerId="AD" clId="Web-{FD0AFA6B-37D3-53F0-4F14-92D7F23A23F2}" dt="2024-10-08T07:58:29.641" v="80" actId="20577"/>
-      <pc:docMkLst>
-        <pc:docMk/>
-      </pc:docMkLst>
-      <pc:sldChg chg="modSp">
-        <pc:chgData name="MIGUEL TRIGUEROS MUÑOZ" userId="S::miguel.trigueros@aulaxxi.murciaeduca.es::a4ee0321-97d7-430f-98a8-7ed13ff9a4bf" providerId="AD" clId="Web-{FD0AFA6B-37D3-53F0-4F14-92D7F23A23F2}" dt="2024-10-08T07:58:29.641" v="80" actId="20577"/>
-        <pc:sldMkLst>
-          <pc:docMk/>
-          <pc:sldMk cId="4171822218" sldId="263"/>
-        </pc:sldMkLst>
+        <pc:spChg chg="add mod">
+          <ac:chgData name="MIGUEL TRIGUEROS MUÑOZ" userId="S::miguel.trigueros@aulaxxi.murciaeduca.es::a4ee0321-97d7-430f-98a8-7ed13ff9a4bf" providerId="AD" clId="Web-{39BEA3D4-3504-DC2E-698D-97F23CA8B2F0}" dt="2025-10-04T05:36:44.550" v="103" actId="1076"/>
+          <ac:spMkLst>
+            <pc:docMk/>
+            <pc:sldMk cId="2271490309" sldId="321"/>
+            <ac:spMk id="5" creationId="{7789468B-FE05-33A4-87B6-B5B032ED0E15}"/>
+          </ac:spMkLst>
+        </pc:spChg>
+        <pc:spChg chg="mod">
+          <ac:chgData name="MIGUEL TRIGUEROS MUÑOZ" userId="S::miguel.trigueros@aulaxxi.murciaeduca.es::a4ee0321-97d7-430f-98a8-7ed13ff9a4bf" providerId="AD" clId="Web-{39BEA3D4-3504-DC2E-698D-97F23CA8B2F0}" dt="2025-10-04T05:35:07.079" v="37" actId="20577"/>
+          <ac:spMkLst>
+            <pc:docMk/>
+            <pc:sldMk cId="2271490309" sldId="321"/>
+            <ac:spMk id="8" creationId="{1CF962FB-D527-45A6-661F-2337532E4A09}"/>
+          </ac:spMkLst>
+        </pc:spChg>
       </pc:sldChg>
     </pc:docChg>
   </pc:docChgLst>
@@ -21254,13 +20710,9 @@
           <a:bodyPr/>
           <a:lstStyle/>
           <a:p>
-            <a:pPr marL="0" indent="0">
-              <a:buFont typeface="Wingdings 3" charset="2"/>
-              <a:buNone/>
-            </a:pPr>
-            <a:r>
-              <a:rPr lang="es-ES"/>
-              <a:t>8. FASE RETIRADA</a:t>
+            <a:r>
+              <a:rPr lang="es-ES" b="1"/>
+              <a:t>7 FASE RETIRADA</a:t>
             </a:r>
           </a:p>
           <a:p>
@@ -24942,21 +24394,7 @@
           <a:bodyPr/>
           <a:lstStyle/>
           <a:p>
-            <a:pPr marR="0" lvl="0" algn="l" defTabSz="457200" rtl="0" eaLnBrk="1" fontAlgn="auto" latinLnBrk="0" hangingPunct="1">
-              <a:lnSpc>
-                <a:spcPct val="100000"/>
-              </a:lnSpc>
-              <a:spcBef>
-                <a:spcPts val="1000"/>
-              </a:spcBef>
-              <a:spcAft>
-                <a:spcPts val="0"/>
-              </a:spcAft>
-              <a:buClr>
-                <a:schemeClr val="accent1"/>
-              </a:buClr>
-              <a:buSzPct val="80000"/>
-              <a:tabLst/>
+            <a:pPr>
               <a:defRPr/>
             </a:pPr>
             <a:r>
@@ -24974,6 +24412,40 @@
               </a:rPr>
               <a:t>1 Fases del desarrollo de una aplicación</a:t>
             </a:r>
+            <a:r>
+              <a:rPr lang="es-ES" dirty="0">
+                <a:solidFill>
+                  <a:schemeClr val="tx1">
+                    <a:lumMod val="75000"/>
+                    <a:lumOff val="25000"/>
+                  </a:schemeClr>
+                </a:solidFill>
+                <a:latin typeface="+mn-lt"/>
+                <a:ea typeface="+mn-ea"/>
+                <a:cs typeface="+mn-cs"/>
+              </a:rPr>
+              <a:t>: </a:t>
+            </a:r>
+            <a:r>
+              <a:rPr lang="es-ES" i="1" dirty="0">
+                <a:solidFill>
+                  <a:srgbClr val="FF0000"/>
+                </a:solidFill>
+                <a:latin typeface="+mn-lt"/>
+                <a:ea typeface="+mn-ea"/>
+                <a:cs typeface="+mn-cs"/>
+              </a:rPr>
+              <a:t>(EJE que organiza el curso)</a:t>
+            </a:r>
+            <a:endParaRPr lang="es-ES" sz="1800" i="1" kern="1200" dirty="0">
+              <a:solidFill>
+                <a:srgbClr val="FF0000"/>
+              </a:solidFill>
+              <a:effectLst/>
+              <a:latin typeface="+mn-lt"/>
+              <a:ea typeface="+mn-ea"/>
+              <a:cs typeface="+mn-cs"/>
+            </a:endParaRPr>
           </a:p>
         </p:txBody>
       </p:sp>
@@ -25577,7 +25049,7 @@
           </a:prstGeom>
         </p:spPr>
         <p:txBody>
-          <a:bodyPr vert="horz" lIns="91440" tIns="45720" rIns="91440" bIns="45720" rtlCol="0">
+          <a:bodyPr vert="horz" lIns="91440" tIns="45720" rIns="91440" bIns="45720" rtlCol="0" anchor="t">
             <a:normAutofit/>
           </a:bodyPr>
           <a:lstStyle>
@@ -25844,7 +25316,7 @@
             </a:r>
             <a:r>
               <a:rPr lang="es-ES" b="1" dirty="0"/>
-              <a:t>documento </a:t>
+              <a:t>contrato </a:t>
             </a:r>
             <a:r>
               <a:rPr lang="es-ES" b="1" dirty="0">
@@ -25860,7 +25332,7 @@
             </a:r>
             <a:r>
               <a:rPr lang="es-ES" dirty="0"/>
-              <a:t>(a modo de contrato) entre el cliente y el desarrollador</a:t>
+              <a:t>entre el cliente y el desarrollador</a:t>
             </a:r>
           </a:p>
           <a:p>
@@ -27597,17 +27069,14 @@
           <a:lstStyle/>
           <a:p>
             <a:r>
-              <a:rPr lang="es-ES" dirty="0"/>
-              <a:t>1 ANÁLISIS </a:t>
-            </a:r>
-            <a:r>
-              <a:rPr lang="es-ES" dirty="0">
-                <a:solidFill>
-                  <a:srgbClr val="0070C0"/>
-                </a:solidFill>
-              </a:rPr>
-              <a:t>TA 1: PROCESO DE DESARROLLO SE SW TIENDA.</a:t>
-            </a:r>
+              <a:rPr lang="es-ES"/>
+              <a:t>1 ANÁLISIS</a:t>
+            </a:r>
+            <a:endParaRPr lang="es-ES">
+              <a:solidFill>
+                <a:srgbClr val="0070C0"/>
+              </a:solidFill>
+            </a:endParaRPr>
           </a:p>
           <a:p>
             <a:endParaRPr lang="es-ES" dirty="0"/>
@@ -27973,6 +27442,44 @@
           </a:prstGeom>
         </p:spPr>
       </p:pic>
+      <p:sp>
+        <p:nvSpPr>
+          <p:cNvPr id="5" name="CuadroTexto 4">
+            <a:extLst>
+              <a:ext uri="{FF2B5EF4-FFF2-40B4-BE49-F238E27FC236}">
+                <a16:creationId xmlns:a16="http://schemas.microsoft.com/office/drawing/2014/main" id="{7789468B-FE05-33A4-87B6-B5B032ED0E15}"/>
+              </a:ext>
+            </a:extLst>
+          </p:cNvPr>
+          <p:cNvSpPr txBox="1"/>
+          <p:nvPr/>
+        </p:nvSpPr>
+        <p:spPr>
+          <a:xfrm>
+            <a:off x="3972363" y="2503835"/>
+            <a:ext cx="3292814" cy="923330"/>
+          </a:xfrm>
+          <a:prstGeom prst="rect">
+            <a:avLst/>
+          </a:prstGeom>
+          <a:noFill/>
+        </p:spPr>
+        <p:txBody>
+          <a:bodyPr rot="0" spcFirstLastPara="0" vertOverflow="overflow" horzOverflow="overflow" vert="horz" wrap="square" lIns="91440" tIns="45720" rIns="91440" bIns="45720" numCol="1" spcCol="0" rtlCol="0" fromWordArt="0" anchor="t" anchorCtr="0" forceAA="0" compatLnSpc="1">
+            <a:prstTxWarp prst="textNoShape">
+              <a:avLst/>
+            </a:prstTxWarp>
+            <a:spAutoFit/>
+          </a:bodyPr>
+          <a:lstStyle/>
+          <a:p>
+            <a:r>
+              <a:rPr lang="es-ES" dirty="0"/>
+              <a:t>Se trabajarán en la siguiente UT, ahora solo debemos saber que se aplican a esta fase</a:t>
+            </a:r>
+          </a:p>
+        </p:txBody>
+      </p:sp>
     </p:spTree>
     <p:extLst>
       <p:ext uri="{BB962C8B-B14F-4D97-AF65-F5344CB8AC3E}">
